--- a/project-overview.pptx
+++ b/project-overview.pptx
@@ -8365,7 +8365,7 @@
               <a:rPr lang="en" sz="1400" u="sng">
                 <a:hlinkClick r:id="rId3"/>
               </a:rPr>
-              <a:t>https://github.com/Surabhi0901</a:t>
+              <a:t>https://github.com/surabhi0901</a:t>
             </a:r>
             <a:endParaRPr sz="1400"/>
           </a:p>
@@ -10888,6 +10888,285 @@
 </file>
 
 <file path=ppt/theme/theme1.xml><?xml version="1.0" encoding="utf-8"?>
+<a:theme xmlns:a="http://schemas.openxmlformats.org/drawingml/2006/main" xmlns:r="http://schemas.openxmlformats.org/officeDocument/2006/relationships" name="Material">
+  <a:themeElements>
+    <a:clrScheme name="Material">
+      <a:dk1>
+        <a:srgbClr val="4285F4"/>
+      </a:dk1>
+      <a:lt1>
+        <a:srgbClr val="FFFFFF"/>
+      </a:lt1>
+      <a:dk2>
+        <a:srgbClr val="424242"/>
+      </a:dk2>
+      <a:lt2>
+        <a:srgbClr val="737373"/>
+      </a:lt2>
+      <a:accent1>
+        <a:srgbClr val="0277BD"/>
+      </a:accent1>
+      <a:accent2>
+        <a:srgbClr val="0F9D58"/>
+      </a:accent2>
+      <a:accent3>
+        <a:srgbClr val="DB4437"/>
+      </a:accent3>
+      <a:accent4>
+        <a:srgbClr val="FAFAFA"/>
+      </a:accent4>
+      <a:accent5>
+        <a:srgbClr val="1A237E"/>
+      </a:accent5>
+      <a:accent6>
+        <a:srgbClr val="F4B400"/>
+      </a:accent6>
+      <a:hlink>
+        <a:srgbClr val="1A237E"/>
+      </a:hlink>
+      <a:folHlink>
+        <a:srgbClr val="1A237E"/>
+      </a:folHlink>
+    </a:clrScheme>
+    <a:fontScheme name="Office">
+      <a:majorFont>
+        <a:latin typeface="Arial"/>
+        <a:ea typeface=""/>
+        <a:cs typeface=""/>
+        <a:font script="Jpan" typeface="ＭＳ Ｐゴシック"/>
+        <a:font script="Hang" typeface="맑은 고딕"/>
+        <a:font script="Hans" typeface="宋体"/>
+        <a:font script="Hant" typeface="新細明體"/>
+        <a:font script="Arab" typeface="Times New Roman"/>
+        <a:font script="Hebr" typeface="Times New Roman"/>
+        <a:font script="Thai" typeface="Angsana New"/>
+        <a:font script="Ethi" typeface="Nyala"/>
+        <a:font script="Beng" typeface="Vrinda"/>
+        <a:font script="Gujr" typeface="Shruti"/>
+        <a:font script="Khmr" typeface="MoolBoran"/>
+        <a:font script="Knda" typeface="Tunga"/>
+        <a:font script="Guru" typeface="Raavi"/>
+        <a:font script="Cans" typeface="Euphemia"/>
+        <a:font script="Cher" typeface="Plantagenet Cherokee"/>
+        <a:font script="Yiii" typeface="Microsoft Yi Baiti"/>
+        <a:font script="Tibt" typeface="Microsoft Himalaya"/>
+        <a:font script="Thaa" typeface="MV Boli"/>
+        <a:font script="Deva" typeface="Mangal"/>
+        <a:font script="Telu" typeface="Gautami"/>
+        <a:font script="Taml" typeface="Latha"/>
+        <a:font script="Syrc" typeface="Estrangelo Edessa"/>
+        <a:font script="Orya" typeface="Kalinga"/>
+        <a:font script="Mlym" typeface="Kartika"/>
+        <a:font script="Laoo" typeface="DokChampa"/>
+        <a:font script="Sinh" typeface="Iskoola Pota"/>
+        <a:font script="Mong" typeface="Mongolian Baiti"/>
+        <a:font script="Viet" typeface="Times New Roman"/>
+        <a:font script="Uigh" typeface="Microsoft Uighur"/>
+        <a:font script="Geor" typeface="Sylfaen"/>
+      </a:majorFont>
+      <a:minorFont>
+        <a:latin typeface="Arial"/>
+        <a:ea typeface=""/>
+        <a:cs typeface=""/>
+        <a:font script="Jpan" typeface="ＭＳ Ｐゴシック"/>
+        <a:font script="Hang" typeface="맑은 고딕"/>
+        <a:font script="Hans" typeface="宋体"/>
+        <a:font script="Hant" typeface="新細明體"/>
+        <a:font script="Arab" typeface="Arial"/>
+        <a:font script="Hebr" typeface="Arial"/>
+        <a:font script="Thai" typeface="Cordia New"/>
+        <a:font script="Ethi" typeface="Nyala"/>
+        <a:font script="Beng" typeface="Vrinda"/>
+        <a:font script="Gujr" typeface="Shruti"/>
+        <a:font script="Khmr" typeface="DaunPenh"/>
+        <a:font script="Knda" typeface="Tunga"/>
+        <a:font script="Guru" typeface="Raavi"/>
+        <a:font script="Cans" typeface="Euphemia"/>
+        <a:font script="Cher" typeface="Plantagenet Cherokee"/>
+        <a:font script="Yiii" typeface="Microsoft Yi Baiti"/>
+        <a:font script="Tibt" typeface="Microsoft Himalaya"/>
+        <a:font script="Thaa" typeface="MV Boli"/>
+        <a:font script="Deva" typeface="Mangal"/>
+        <a:font script="Telu" typeface="Gautami"/>
+        <a:font script="Taml" typeface="Latha"/>
+        <a:font script="Syrc" typeface="Estrangelo Edessa"/>
+        <a:font script="Orya" typeface="Kalinga"/>
+        <a:font script="Mlym" typeface="Kartika"/>
+        <a:font script="Laoo" typeface="DokChampa"/>
+        <a:font script="Sinh" typeface="Iskoola Pota"/>
+        <a:font script="Mong" typeface="Mongolian Baiti"/>
+        <a:font script="Viet" typeface="Arial"/>
+        <a:font script="Uigh" typeface="Microsoft Uighur"/>
+        <a:font script="Geor" typeface="Sylfaen"/>
+      </a:minorFont>
+    </a:fontScheme>
+    <a:fmtScheme name="Office">
+      <a:fillStyleLst>
+        <a:solidFill>
+          <a:schemeClr val="phClr"/>
+        </a:solidFill>
+        <a:gradFill rotWithShape="1">
+          <a:gsLst>
+            <a:gs pos="0">
+              <a:schemeClr val="phClr">
+                <a:tint val="50000"/>
+                <a:satMod val="300000"/>
+              </a:schemeClr>
+            </a:gs>
+            <a:gs pos="35000">
+              <a:schemeClr val="phClr">
+                <a:tint val="37000"/>
+                <a:satMod val="300000"/>
+              </a:schemeClr>
+            </a:gs>
+            <a:gs pos="100000">
+              <a:schemeClr val="phClr">
+                <a:tint val="15000"/>
+                <a:satMod val="350000"/>
+              </a:schemeClr>
+            </a:gs>
+          </a:gsLst>
+          <a:lin ang="16200000" scaled="1"/>
+        </a:gradFill>
+        <a:gradFill rotWithShape="1">
+          <a:gsLst>
+            <a:gs pos="0">
+              <a:schemeClr val="phClr">
+                <a:tint val="100000"/>
+                <a:shade val="100000"/>
+                <a:satMod val="130000"/>
+              </a:schemeClr>
+            </a:gs>
+            <a:gs pos="100000">
+              <a:schemeClr val="phClr">
+                <a:tint val="50000"/>
+                <a:shade val="100000"/>
+                <a:satMod val="350000"/>
+              </a:schemeClr>
+            </a:gs>
+          </a:gsLst>
+          <a:lin ang="16200000" scaled="0"/>
+        </a:gradFill>
+      </a:fillStyleLst>
+      <a:lnStyleLst>
+        <a:ln w="9525" cap="flat" cmpd="sng" algn="ctr">
+          <a:solidFill>
+            <a:schemeClr val="phClr">
+              <a:shade val="95000"/>
+              <a:satMod val="105000"/>
+            </a:schemeClr>
+          </a:solidFill>
+          <a:prstDash val="solid"/>
+        </a:ln>
+        <a:ln w="25400" cap="flat" cmpd="sng" algn="ctr">
+          <a:solidFill>
+            <a:schemeClr val="phClr"/>
+          </a:solidFill>
+          <a:prstDash val="solid"/>
+        </a:ln>
+        <a:ln w="38100" cap="flat" cmpd="sng" algn="ctr">
+          <a:solidFill>
+            <a:schemeClr val="phClr"/>
+          </a:solidFill>
+          <a:prstDash val="solid"/>
+        </a:ln>
+      </a:lnStyleLst>
+      <a:effectStyleLst>
+        <a:effectStyle>
+          <a:effectLst>
+            <a:outerShdw blurRad="40000" dist="20000" dir="5400000" rotWithShape="0">
+              <a:srgbClr val="000000">
+                <a:alpha val="38000"/>
+              </a:srgbClr>
+            </a:outerShdw>
+          </a:effectLst>
+        </a:effectStyle>
+        <a:effectStyle>
+          <a:effectLst>
+            <a:outerShdw blurRad="40000" dist="23000" dir="5400000" rotWithShape="0">
+              <a:srgbClr val="000000">
+                <a:alpha val="35000"/>
+              </a:srgbClr>
+            </a:outerShdw>
+          </a:effectLst>
+        </a:effectStyle>
+        <a:effectStyle>
+          <a:effectLst>
+            <a:outerShdw blurRad="40000" dist="23000" dir="5400000" rotWithShape="0">
+              <a:srgbClr val="000000">
+                <a:alpha val="35000"/>
+              </a:srgbClr>
+            </a:outerShdw>
+          </a:effectLst>
+          <a:scene3d>
+            <a:camera prst="orthographicFront">
+              <a:rot lat="0" lon="0" rev="0"/>
+            </a:camera>
+            <a:lightRig rig="threePt" dir="t">
+              <a:rot lat="0" lon="0" rev="1200000"/>
+            </a:lightRig>
+          </a:scene3d>
+          <a:sp3d>
+            <a:bevelT w="63500" h="25400"/>
+          </a:sp3d>
+        </a:effectStyle>
+      </a:effectStyleLst>
+      <a:bgFillStyleLst>
+        <a:solidFill>
+          <a:schemeClr val="phClr"/>
+        </a:solidFill>
+        <a:gradFill rotWithShape="1">
+          <a:gsLst>
+            <a:gs pos="0">
+              <a:schemeClr val="phClr">
+                <a:tint val="40000"/>
+                <a:satMod val="350000"/>
+              </a:schemeClr>
+            </a:gs>
+            <a:gs pos="40000">
+              <a:schemeClr val="phClr">
+                <a:tint val="45000"/>
+                <a:shade val="99000"/>
+                <a:satMod val="350000"/>
+              </a:schemeClr>
+            </a:gs>
+            <a:gs pos="100000">
+              <a:schemeClr val="phClr">
+                <a:shade val="20000"/>
+                <a:satMod val="255000"/>
+              </a:schemeClr>
+            </a:gs>
+          </a:gsLst>
+          <a:path path="circle">
+            <a:fillToRect l="50000" t="-80000" r="50000" b="180000"/>
+          </a:path>
+        </a:gradFill>
+        <a:gradFill rotWithShape="1">
+          <a:gsLst>
+            <a:gs pos="0">
+              <a:schemeClr val="phClr">
+                <a:tint val="80000"/>
+                <a:satMod val="300000"/>
+              </a:schemeClr>
+            </a:gs>
+            <a:gs pos="100000">
+              <a:schemeClr val="phClr">
+                <a:shade val="30000"/>
+                <a:satMod val="200000"/>
+              </a:schemeClr>
+            </a:gs>
+          </a:gsLst>
+          <a:path path="circle">
+            <a:fillToRect l="50000" t="50000" r="50000" b="50000"/>
+          </a:path>
+        </a:gradFill>
+      </a:bgFillStyleLst>
+    </a:fmtScheme>
+  </a:themeElements>
+</a:theme>
+</file>
+
+<file path=ppt/theme/theme2.xml><?xml version="1.0" encoding="utf-8"?>
 <a:theme xmlns:a="http://schemas.openxmlformats.org/drawingml/2006/main" xmlns:r="http://schemas.openxmlformats.org/officeDocument/2006/relationships">
   <a:themeElements>
     <a:clrScheme name="Default">
@@ -11164,283 +11443,4 @@
     </a:fmtScheme>
   </a:themeElements>
 </a:theme>
-</file>
-
-<file path=ppt/theme/theme2.xml><?xml version="1.0" encoding="utf-8"?>
-<a:theme xmlns:a="http://schemas.openxmlformats.org/drawingml/2006/main" xmlns:r="http://schemas.openxmlformats.org/officeDocument/2006/relationships" name="Material">
-  <a:themeElements>
-    <a:clrScheme name="Material">
-      <a:dk1>
-        <a:srgbClr val="4285F4"/>
-      </a:dk1>
-      <a:lt1>
-        <a:srgbClr val="FFFFFF"/>
-      </a:lt1>
-      <a:dk2>
-        <a:srgbClr val="424242"/>
-      </a:dk2>
-      <a:lt2>
-        <a:srgbClr val="737373"/>
-      </a:lt2>
-      <a:accent1>
-        <a:srgbClr val="0277BD"/>
-      </a:accent1>
-      <a:accent2>
-        <a:srgbClr val="0F9D58"/>
-      </a:accent2>
-      <a:accent3>
-        <a:srgbClr val="DB4437"/>
-      </a:accent3>
-      <a:accent4>
-        <a:srgbClr val="FAFAFA"/>
-      </a:accent4>
-      <a:accent5>
-        <a:srgbClr val="1A237E"/>
-      </a:accent5>
-      <a:accent6>
-        <a:srgbClr val="F4B400"/>
-      </a:accent6>
-      <a:hlink>
-        <a:srgbClr val="1A237E"/>
-      </a:hlink>
-      <a:folHlink>
-        <a:srgbClr val="1A237E"/>
-      </a:folHlink>
-    </a:clrScheme>
-    <a:fontScheme name="Office">
-      <a:majorFont>
-        <a:latin typeface="Arial"/>
-        <a:ea typeface=""/>
-        <a:cs typeface=""/>
-        <a:font script="Jpan" typeface="ＭＳ Ｐゴシック"/>
-        <a:font script="Hang" typeface="맑은 고딕"/>
-        <a:font script="Hans" typeface="宋体"/>
-        <a:font script="Hant" typeface="新細明體"/>
-        <a:font script="Arab" typeface="Times New Roman"/>
-        <a:font script="Hebr" typeface="Times New Roman"/>
-        <a:font script="Thai" typeface="Angsana New"/>
-        <a:font script="Ethi" typeface="Nyala"/>
-        <a:font script="Beng" typeface="Vrinda"/>
-        <a:font script="Gujr" typeface="Shruti"/>
-        <a:font script="Khmr" typeface="MoolBoran"/>
-        <a:font script="Knda" typeface="Tunga"/>
-        <a:font script="Guru" typeface="Raavi"/>
-        <a:font script="Cans" typeface="Euphemia"/>
-        <a:font script="Cher" typeface="Plantagenet Cherokee"/>
-        <a:font script="Yiii" typeface="Microsoft Yi Baiti"/>
-        <a:font script="Tibt" typeface="Microsoft Himalaya"/>
-        <a:font script="Thaa" typeface="MV Boli"/>
-        <a:font script="Deva" typeface="Mangal"/>
-        <a:font script="Telu" typeface="Gautami"/>
-        <a:font script="Taml" typeface="Latha"/>
-        <a:font script="Syrc" typeface="Estrangelo Edessa"/>
-        <a:font script="Orya" typeface="Kalinga"/>
-        <a:font script="Mlym" typeface="Kartika"/>
-        <a:font script="Laoo" typeface="DokChampa"/>
-        <a:font script="Sinh" typeface="Iskoola Pota"/>
-        <a:font script="Mong" typeface="Mongolian Baiti"/>
-        <a:font script="Viet" typeface="Times New Roman"/>
-        <a:font script="Uigh" typeface="Microsoft Uighur"/>
-        <a:font script="Geor" typeface="Sylfaen"/>
-      </a:majorFont>
-      <a:minorFont>
-        <a:latin typeface="Arial"/>
-        <a:ea typeface=""/>
-        <a:cs typeface=""/>
-        <a:font script="Jpan" typeface="ＭＳ Ｐゴシック"/>
-        <a:font script="Hang" typeface="맑은 고딕"/>
-        <a:font script="Hans" typeface="宋体"/>
-        <a:font script="Hant" typeface="新細明體"/>
-        <a:font script="Arab" typeface="Arial"/>
-        <a:font script="Hebr" typeface="Arial"/>
-        <a:font script="Thai" typeface="Cordia New"/>
-        <a:font script="Ethi" typeface="Nyala"/>
-        <a:font script="Beng" typeface="Vrinda"/>
-        <a:font script="Gujr" typeface="Shruti"/>
-        <a:font script="Khmr" typeface="DaunPenh"/>
-        <a:font script="Knda" typeface="Tunga"/>
-        <a:font script="Guru" typeface="Raavi"/>
-        <a:font script="Cans" typeface="Euphemia"/>
-        <a:font script="Cher" typeface="Plantagenet Cherokee"/>
-        <a:font script="Yiii" typeface="Microsoft Yi Baiti"/>
-        <a:font script="Tibt" typeface="Microsoft Himalaya"/>
-        <a:font script="Thaa" typeface="MV Boli"/>
-        <a:font script="Deva" typeface="Mangal"/>
-        <a:font script="Telu" typeface="Gautami"/>
-        <a:font script="Taml" typeface="Latha"/>
-        <a:font script="Syrc" typeface="Estrangelo Edessa"/>
-        <a:font script="Orya" typeface="Kalinga"/>
-        <a:font script="Mlym" typeface="Kartika"/>
-        <a:font script="Laoo" typeface="DokChampa"/>
-        <a:font script="Sinh" typeface="Iskoola Pota"/>
-        <a:font script="Mong" typeface="Mongolian Baiti"/>
-        <a:font script="Viet" typeface="Arial"/>
-        <a:font script="Uigh" typeface="Microsoft Uighur"/>
-        <a:font script="Geor" typeface="Sylfaen"/>
-      </a:minorFont>
-    </a:fontScheme>
-    <a:fmtScheme name="Office">
-      <a:fillStyleLst>
-        <a:solidFill>
-          <a:schemeClr val="phClr"/>
-        </a:solidFill>
-        <a:gradFill rotWithShape="1">
-          <a:gsLst>
-            <a:gs pos="0">
-              <a:schemeClr val="phClr">
-                <a:tint val="50000"/>
-                <a:satMod val="300000"/>
-              </a:schemeClr>
-            </a:gs>
-            <a:gs pos="35000">
-              <a:schemeClr val="phClr">
-                <a:tint val="37000"/>
-                <a:satMod val="300000"/>
-              </a:schemeClr>
-            </a:gs>
-            <a:gs pos="100000">
-              <a:schemeClr val="phClr">
-                <a:tint val="15000"/>
-                <a:satMod val="350000"/>
-              </a:schemeClr>
-            </a:gs>
-          </a:gsLst>
-          <a:lin ang="16200000" scaled="1"/>
-        </a:gradFill>
-        <a:gradFill rotWithShape="1">
-          <a:gsLst>
-            <a:gs pos="0">
-              <a:schemeClr val="phClr">
-                <a:tint val="100000"/>
-                <a:shade val="100000"/>
-                <a:satMod val="130000"/>
-              </a:schemeClr>
-            </a:gs>
-            <a:gs pos="100000">
-              <a:schemeClr val="phClr">
-                <a:tint val="50000"/>
-                <a:shade val="100000"/>
-                <a:satMod val="350000"/>
-              </a:schemeClr>
-            </a:gs>
-          </a:gsLst>
-          <a:lin ang="16200000" scaled="0"/>
-        </a:gradFill>
-      </a:fillStyleLst>
-      <a:lnStyleLst>
-        <a:ln w="9525" cap="flat" cmpd="sng" algn="ctr">
-          <a:solidFill>
-            <a:schemeClr val="phClr">
-              <a:shade val="95000"/>
-              <a:satMod val="105000"/>
-            </a:schemeClr>
-          </a:solidFill>
-          <a:prstDash val="solid"/>
-        </a:ln>
-        <a:ln w="25400" cap="flat" cmpd="sng" algn="ctr">
-          <a:solidFill>
-            <a:schemeClr val="phClr"/>
-          </a:solidFill>
-          <a:prstDash val="solid"/>
-        </a:ln>
-        <a:ln w="38100" cap="flat" cmpd="sng" algn="ctr">
-          <a:solidFill>
-            <a:schemeClr val="phClr"/>
-          </a:solidFill>
-          <a:prstDash val="solid"/>
-        </a:ln>
-      </a:lnStyleLst>
-      <a:effectStyleLst>
-        <a:effectStyle>
-          <a:effectLst>
-            <a:outerShdw blurRad="40000" dist="20000" dir="5400000" rotWithShape="0">
-              <a:srgbClr val="000000">
-                <a:alpha val="38000"/>
-              </a:srgbClr>
-            </a:outerShdw>
-          </a:effectLst>
-        </a:effectStyle>
-        <a:effectStyle>
-          <a:effectLst>
-            <a:outerShdw blurRad="40000" dist="23000" dir="5400000" rotWithShape="0">
-              <a:srgbClr val="000000">
-                <a:alpha val="35000"/>
-              </a:srgbClr>
-            </a:outerShdw>
-          </a:effectLst>
-        </a:effectStyle>
-        <a:effectStyle>
-          <a:effectLst>
-            <a:outerShdw blurRad="40000" dist="23000" dir="5400000" rotWithShape="0">
-              <a:srgbClr val="000000">
-                <a:alpha val="35000"/>
-              </a:srgbClr>
-            </a:outerShdw>
-          </a:effectLst>
-          <a:scene3d>
-            <a:camera prst="orthographicFront">
-              <a:rot lat="0" lon="0" rev="0"/>
-            </a:camera>
-            <a:lightRig rig="threePt" dir="t">
-              <a:rot lat="0" lon="0" rev="1200000"/>
-            </a:lightRig>
-          </a:scene3d>
-          <a:sp3d>
-            <a:bevelT w="63500" h="25400"/>
-          </a:sp3d>
-        </a:effectStyle>
-      </a:effectStyleLst>
-      <a:bgFillStyleLst>
-        <a:solidFill>
-          <a:schemeClr val="phClr"/>
-        </a:solidFill>
-        <a:gradFill rotWithShape="1">
-          <a:gsLst>
-            <a:gs pos="0">
-              <a:schemeClr val="phClr">
-                <a:tint val="40000"/>
-                <a:satMod val="350000"/>
-              </a:schemeClr>
-            </a:gs>
-            <a:gs pos="40000">
-              <a:schemeClr val="phClr">
-                <a:tint val="45000"/>
-                <a:shade val="99000"/>
-                <a:satMod val="350000"/>
-              </a:schemeClr>
-            </a:gs>
-            <a:gs pos="100000">
-              <a:schemeClr val="phClr">
-                <a:shade val="20000"/>
-                <a:satMod val="255000"/>
-              </a:schemeClr>
-            </a:gs>
-          </a:gsLst>
-          <a:path path="circle">
-            <a:fillToRect l="50000" t="-80000" r="50000" b="180000"/>
-          </a:path>
-        </a:gradFill>
-        <a:gradFill rotWithShape="1">
-          <a:gsLst>
-            <a:gs pos="0">
-              <a:schemeClr val="phClr">
-                <a:tint val="80000"/>
-                <a:satMod val="300000"/>
-              </a:schemeClr>
-            </a:gs>
-            <a:gs pos="100000">
-              <a:schemeClr val="phClr">
-                <a:shade val="30000"/>
-                <a:satMod val="200000"/>
-              </a:schemeClr>
-            </a:gs>
-          </a:gsLst>
-          <a:path path="circle">
-            <a:fillToRect l="50000" t="50000" r="50000" b="50000"/>
-          </a:path>
-        </a:gradFill>
-      </a:bgFillStyleLst>
-    </a:fmtScheme>
-  </a:themeElements>
-</a:theme>
 </file>
--- a/project-overview.pptx
+++ b/project-overview.pptx
@@ -810,7 +810,7 @@
   <p:cSld>
     <p:spTree>
       <p:nvGrpSpPr>
-        <p:cNvPr id="133" name="Shape 133"/>
+        <p:cNvPr id="125" name="Shape 125"/>
         <p:cNvGrpSpPr/>
         <p:nvPr/>
       </p:nvGrpSpPr>
@@ -824,7 +824,7 @@
       </p:grpSpPr>
       <p:sp>
         <p:nvSpPr>
-          <p:cNvPr id="134" name="Google Shape;134;g26e6dacca91_1_30:notes"/>
+          <p:cNvPr id="126" name="Google Shape;126;g26e6dacca91_1_30:notes"/>
           <p:cNvSpPr/>
           <p:nvPr>
             <p:ph idx="2" type="sldImg"/>
@@ -859,7 +859,7 @@
       </p:sp>
       <p:sp>
         <p:nvSpPr>
-          <p:cNvPr id="135" name="Google Shape;135;g26e6dacca91_1_30:notes"/>
+          <p:cNvPr id="127" name="Google Shape;127;g26e6dacca91_1_30:notes"/>
           <p:cNvSpPr txBox="1"/>
           <p:nvPr>
             <p:ph idx="1" type="body"/>
@@ -909,7 +909,7 @@
   <p:cSld>
     <p:spTree>
       <p:nvGrpSpPr>
-        <p:cNvPr id="139" name="Shape 139"/>
+        <p:cNvPr id="131" name="Shape 131"/>
         <p:cNvGrpSpPr/>
         <p:nvPr/>
       </p:nvGrpSpPr>
@@ -923,7 +923,7 @@
       </p:grpSpPr>
       <p:sp>
         <p:nvSpPr>
-          <p:cNvPr id="140" name="Google Shape;140;gc6f73a04f_0_42:notes"/>
+          <p:cNvPr id="132" name="Google Shape;132;gc6f73a04f_0_42:notes"/>
           <p:cNvSpPr/>
           <p:nvPr>
             <p:ph idx="2" type="sldImg"/>
@@ -958,7 +958,7 @@
       </p:sp>
       <p:sp>
         <p:nvSpPr>
-          <p:cNvPr id="141" name="Google Shape;141;gc6f73a04f_0_42:notes"/>
+          <p:cNvPr id="133" name="Google Shape;133;gc6f73a04f_0_42:notes"/>
           <p:cNvSpPr txBox="1"/>
           <p:nvPr>
             <p:ph idx="1" type="body"/>
@@ -1008,7 +1008,7 @@
   <p:cSld>
     <p:spTree>
       <p:nvGrpSpPr>
-        <p:cNvPr id="145" name="Shape 145"/>
+        <p:cNvPr id="137" name="Shape 137"/>
         <p:cNvGrpSpPr/>
         <p:nvPr/>
       </p:nvGrpSpPr>
@@ -1022,7 +1022,7 @@
       </p:grpSpPr>
       <p:sp>
         <p:nvSpPr>
-          <p:cNvPr id="146" name="Google Shape;146;gc6f73a04f_0_46:notes"/>
+          <p:cNvPr id="138" name="Google Shape;138;gc6f73a04f_0_46:notes"/>
           <p:cNvSpPr/>
           <p:nvPr>
             <p:ph idx="2" type="sldImg"/>
@@ -1057,7 +1057,7 @@
       </p:sp>
       <p:sp>
         <p:nvSpPr>
-          <p:cNvPr id="147" name="Google Shape;147;gc6f73a04f_0_46:notes"/>
+          <p:cNvPr id="139" name="Google Shape;139;gc6f73a04f_0_46:notes"/>
           <p:cNvSpPr txBox="1"/>
           <p:nvPr>
             <p:ph idx="1" type="body"/>
@@ -1602,7 +1602,7 @@
   <p:cSld>
     <p:spTree>
       <p:nvGrpSpPr>
-        <p:cNvPr id="111" name="Shape 111"/>
+        <p:cNvPr id="103" name="Shape 103"/>
         <p:cNvGrpSpPr/>
         <p:nvPr/>
       </p:nvGrpSpPr>
@@ -1616,7 +1616,7 @@
       </p:grpSpPr>
       <p:sp>
         <p:nvSpPr>
-          <p:cNvPr id="112" name="Google Shape;112;gc6f73a04f_0_25:notes"/>
+          <p:cNvPr id="104" name="Google Shape;104;gc6f73a04f_0_25:notes"/>
           <p:cNvSpPr/>
           <p:nvPr>
             <p:ph idx="2" type="sldImg"/>
@@ -1651,7 +1651,7 @@
       </p:sp>
       <p:sp>
         <p:nvSpPr>
-          <p:cNvPr id="113" name="Google Shape;113;gc6f73a04f_0_25:notes"/>
+          <p:cNvPr id="105" name="Google Shape;105;gc6f73a04f_0_25:notes"/>
           <p:cNvSpPr txBox="1"/>
           <p:nvPr>
             <p:ph idx="1" type="body"/>
@@ -1701,7 +1701,7 @@
   <p:cSld>
     <p:spTree>
       <p:nvGrpSpPr>
-        <p:cNvPr id="117" name="Shape 117"/>
+        <p:cNvPr id="109" name="Shape 109"/>
         <p:cNvGrpSpPr/>
         <p:nvPr/>
       </p:nvGrpSpPr>
@@ -1715,7 +1715,7 @@
       </p:grpSpPr>
       <p:sp>
         <p:nvSpPr>
-          <p:cNvPr id="118" name="Google Shape;118;g26e6dacca91_1_23:notes"/>
+          <p:cNvPr id="110" name="Google Shape;110;g26e6dacca91_1_23:notes"/>
           <p:cNvSpPr/>
           <p:nvPr>
             <p:ph idx="2" type="sldImg"/>
@@ -1750,7 +1750,7 @@
       </p:sp>
       <p:sp>
         <p:nvSpPr>
-          <p:cNvPr id="119" name="Google Shape;119;g26e6dacca91_1_23:notes"/>
+          <p:cNvPr id="111" name="Google Shape;111;g26e6dacca91_1_23:notes"/>
           <p:cNvSpPr txBox="1"/>
           <p:nvPr>
             <p:ph idx="1" type="body"/>
@@ -1800,7 +1800,7 @@
   <p:cSld>
     <p:spTree>
       <p:nvGrpSpPr>
-        <p:cNvPr id="123" name="Shape 123"/>
+        <p:cNvPr id="115" name="Shape 115"/>
         <p:cNvGrpSpPr/>
         <p:nvPr/>
       </p:nvGrpSpPr>
@@ -1814,7 +1814,7 @@
       </p:grpSpPr>
       <p:sp>
         <p:nvSpPr>
-          <p:cNvPr id="124" name="Google Shape;124;gc6f73a04f_0_30:notes"/>
+          <p:cNvPr id="116" name="Google Shape;116;gc6f73a04f_0_30:notes"/>
           <p:cNvSpPr/>
           <p:nvPr>
             <p:ph idx="2" type="sldImg"/>
@@ -1849,7 +1849,7 @@
       </p:sp>
       <p:sp>
         <p:nvSpPr>
-          <p:cNvPr id="125" name="Google Shape;125;gc6f73a04f_0_30:notes"/>
+          <p:cNvPr id="117" name="Google Shape;117;gc6f73a04f_0_30:notes"/>
           <p:cNvSpPr txBox="1"/>
           <p:nvPr>
             <p:ph idx="1" type="body"/>
@@ -7947,7 +7947,7 @@
     </p:bg>
     <p:spTree>
       <p:nvGrpSpPr>
-        <p:cNvPr id="136" name="Shape 136"/>
+        <p:cNvPr id="128" name="Shape 128"/>
         <p:cNvGrpSpPr/>
         <p:nvPr/>
       </p:nvGrpSpPr>
@@ -7961,7 +7961,7 @@
       </p:grpSpPr>
       <p:sp>
         <p:nvSpPr>
-          <p:cNvPr id="137" name="Google Shape;137;p22"/>
+          <p:cNvPr id="129" name="Google Shape;129;p22"/>
           <p:cNvSpPr txBox="1"/>
           <p:nvPr>
             <p:ph type="title"/>
@@ -8017,7 +8017,7 @@
       </p:sp>
       <p:sp>
         <p:nvSpPr>
-          <p:cNvPr id="138" name="Google Shape;138;p22"/>
+          <p:cNvPr id="130" name="Google Shape;130;p22"/>
           <p:cNvSpPr txBox="1"/>
           <p:nvPr>
             <p:ph idx="1" type="body"/>
@@ -8099,7 +8099,7 @@
     </p:bg>
     <p:spTree>
       <p:nvGrpSpPr>
-        <p:cNvPr id="142" name="Shape 142"/>
+        <p:cNvPr id="134" name="Shape 134"/>
         <p:cNvGrpSpPr/>
         <p:nvPr/>
       </p:nvGrpSpPr>
@@ -8113,7 +8113,7 @@
       </p:grpSpPr>
       <p:sp>
         <p:nvSpPr>
-          <p:cNvPr id="143" name="Google Shape;143;p23"/>
+          <p:cNvPr id="135" name="Google Shape;135;p23"/>
           <p:cNvSpPr txBox="1"/>
           <p:nvPr>
             <p:ph type="title"/>
@@ -8153,7 +8153,7 @@
       </p:sp>
       <p:sp>
         <p:nvSpPr>
-          <p:cNvPr id="144" name="Google Shape;144;p23"/>
+          <p:cNvPr id="136" name="Google Shape;136;p23"/>
           <p:cNvSpPr txBox="1"/>
           <p:nvPr/>
         </p:nvSpPr>
@@ -8229,7 +8229,7 @@
     </p:bg>
     <p:spTree>
       <p:nvGrpSpPr>
-        <p:cNvPr id="148" name="Shape 148"/>
+        <p:cNvPr id="140" name="Shape 140"/>
         <p:cNvGrpSpPr/>
         <p:nvPr/>
       </p:nvGrpSpPr>
@@ -8243,7 +8243,7 @@
       </p:grpSpPr>
       <p:sp>
         <p:nvSpPr>
-          <p:cNvPr id="149" name="Google Shape;149;p24"/>
+          <p:cNvPr id="141" name="Google Shape;141;p24"/>
           <p:cNvSpPr txBox="1"/>
           <p:nvPr>
             <p:ph type="title"/>
@@ -8283,7 +8283,7 @@
       </p:sp>
       <p:sp>
         <p:nvSpPr>
-          <p:cNvPr id="150" name="Google Shape;150;p24"/>
+          <p:cNvPr id="142" name="Google Shape;142;p24"/>
           <p:cNvSpPr txBox="1"/>
           <p:nvPr>
             <p:ph idx="1" type="body"/>
@@ -8391,7 +8391,7 @@
       </p:sp>
       <p:pic>
         <p:nvPicPr>
-          <p:cNvPr id="151" name="Google Shape;151;p24"/>
+          <p:cNvPr id="143" name="Google Shape;143;p24"/>
           <p:cNvPicPr preferRelativeResize="0"/>
           <p:nvPr/>
         </p:nvPicPr>
@@ -10106,214 +10106,6 @@
           </a:p>
         </p:txBody>
       </p:sp>
-      <p:cxnSp>
-        <p:nvCxnSpPr>
-          <p:cNvPr id="103" name="Google Shape;103;p18"/>
-          <p:cNvCxnSpPr/>
-          <p:nvPr/>
-        </p:nvCxnSpPr>
-        <p:spPr>
-          <a:xfrm flipH="1" rot="10800000">
-            <a:off x="2562175" y="454450"/>
-            <a:ext cx="1549500" cy="1355700"/>
-          </a:xfrm>
-          <a:prstGeom prst="straightConnector1">
-            <a:avLst/>
-          </a:prstGeom>
-          <a:noFill/>
-          <a:ln cap="flat" cmpd="sng" w="19050">
-            <a:solidFill>
-              <a:schemeClr val="dk2"/>
-            </a:solidFill>
-            <a:prstDash val="solid"/>
-            <a:round/>
-            <a:headEnd len="med" w="med" type="none"/>
-            <a:tailEnd len="med" w="med" type="triangle"/>
-          </a:ln>
-        </p:spPr>
-      </p:cxnSp>
-      <p:cxnSp>
-        <p:nvCxnSpPr>
-          <p:cNvPr id="104" name="Google Shape;104;p18"/>
-          <p:cNvCxnSpPr/>
-          <p:nvPr/>
-        </p:nvCxnSpPr>
-        <p:spPr>
-          <a:xfrm flipH="1" rot="10800000">
-            <a:off x="2906525" y="1013925"/>
-            <a:ext cx="1237500" cy="1129800"/>
-          </a:xfrm>
-          <a:prstGeom prst="straightConnector1">
-            <a:avLst/>
-          </a:prstGeom>
-          <a:noFill/>
-          <a:ln cap="flat" cmpd="sng" w="19050">
-            <a:solidFill>
-              <a:schemeClr val="dk2"/>
-            </a:solidFill>
-            <a:prstDash val="solid"/>
-            <a:round/>
-            <a:headEnd len="med" w="med" type="none"/>
-            <a:tailEnd len="med" w="med" type="triangle"/>
-          </a:ln>
-        </p:spPr>
-      </p:cxnSp>
-      <p:cxnSp>
-        <p:nvCxnSpPr>
-          <p:cNvPr id="105" name="Google Shape;105;p18"/>
-          <p:cNvCxnSpPr/>
-          <p:nvPr/>
-        </p:nvCxnSpPr>
-        <p:spPr>
-          <a:xfrm flipH="1" rot="10800000">
-            <a:off x="2734350" y="1777875"/>
-            <a:ext cx="1398900" cy="731700"/>
-          </a:xfrm>
-          <a:prstGeom prst="straightConnector1">
-            <a:avLst/>
-          </a:prstGeom>
-          <a:noFill/>
-          <a:ln cap="flat" cmpd="sng" w="19050">
-            <a:solidFill>
-              <a:schemeClr val="dk2"/>
-            </a:solidFill>
-            <a:prstDash val="solid"/>
-            <a:round/>
-            <a:headEnd len="med" w="med" type="none"/>
-            <a:tailEnd len="med" w="med" type="triangle"/>
-          </a:ln>
-        </p:spPr>
-      </p:cxnSp>
-      <p:cxnSp>
-        <p:nvCxnSpPr>
-          <p:cNvPr id="106" name="Google Shape;106;p18"/>
-          <p:cNvCxnSpPr/>
-          <p:nvPr/>
-        </p:nvCxnSpPr>
-        <p:spPr>
-          <a:xfrm flipH="1" rot="10800000">
-            <a:off x="2164050" y="2348175"/>
-            <a:ext cx="1958400" cy="570300"/>
-          </a:xfrm>
-          <a:prstGeom prst="straightConnector1">
-            <a:avLst/>
-          </a:prstGeom>
-          <a:noFill/>
-          <a:ln cap="flat" cmpd="sng" w="19050">
-            <a:solidFill>
-              <a:schemeClr val="dk2"/>
-            </a:solidFill>
-            <a:prstDash val="solid"/>
-            <a:round/>
-            <a:headEnd len="med" w="med" type="none"/>
-            <a:tailEnd len="med" w="med" type="triangle"/>
-          </a:ln>
-        </p:spPr>
-      </p:cxnSp>
-      <p:cxnSp>
-        <p:nvCxnSpPr>
-          <p:cNvPr id="107" name="Google Shape;107;p18"/>
-          <p:cNvCxnSpPr/>
-          <p:nvPr/>
-        </p:nvCxnSpPr>
-        <p:spPr>
-          <a:xfrm flipH="1" rot="10800000">
-            <a:off x="2981850" y="2950650"/>
-            <a:ext cx="1129800" cy="355200"/>
-          </a:xfrm>
-          <a:prstGeom prst="straightConnector1">
-            <a:avLst/>
-          </a:prstGeom>
-          <a:noFill/>
-          <a:ln cap="flat" cmpd="sng" w="19050">
-            <a:solidFill>
-              <a:schemeClr val="dk2"/>
-            </a:solidFill>
-            <a:prstDash val="solid"/>
-            <a:round/>
-            <a:headEnd len="med" w="med" type="none"/>
-            <a:tailEnd len="med" w="med" type="triangle"/>
-          </a:ln>
-        </p:spPr>
-      </p:cxnSp>
-      <p:cxnSp>
-        <p:nvCxnSpPr>
-          <p:cNvPr id="108" name="Google Shape;108;p18"/>
-          <p:cNvCxnSpPr/>
-          <p:nvPr/>
-        </p:nvCxnSpPr>
-        <p:spPr>
-          <a:xfrm flipH="1" rot="10800000">
-            <a:off x="3089450" y="3499575"/>
-            <a:ext cx="1011600" cy="150600"/>
-          </a:xfrm>
-          <a:prstGeom prst="straightConnector1">
-            <a:avLst/>
-          </a:prstGeom>
-          <a:noFill/>
-          <a:ln cap="flat" cmpd="sng" w="19050">
-            <a:solidFill>
-              <a:schemeClr val="dk2"/>
-            </a:solidFill>
-            <a:prstDash val="solid"/>
-            <a:round/>
-            <a:headEnd len="med" w="med" type="none"/>
-            <a:tailEnd len="med" w="med" type="triangle"/>
-          </a:ln>
-        </p:spPr>
-      </p:cxnSp>
-      <p:cxnSp>
-        <p:nvCxnSpPr>
-          <p:cNvPr id="109" name="Google Shape;109;p18"/>
-          <p:cNvCxnSpPr/>
-          <p:nvPr/>
-        </p:nvCxnSpPr>
-        <p:spPr>
-          <a:xfrm>
-            <a:off x="2390025" y="4005275"/>
-            <a:ext cx="1775400" cy="75300"/>
-          </a:xfrm>
-          <a:prstGeom prst="straightConnector1">
-            <a:avLst/>
-          </a:prstGeom>
-          <a:noFill/>
-          <a:ln cap="flat" cmpd="sng" w="19050">
-            <a:solidFill>
-              <a:schemeClr val="dk2"/>
-            </a:solidFill>
-            <a:prstDash val="solid"/>
-            <a:round/>
-            <a:headEnd len="med" w="med" type="none"/>
-            <a:tailEnd len="med" w="med" type="triangle"/>
-          </a:ln>
-        </p:spPr>
-      </p:cxnSp>
-      <p:cxnSp>
-        <p:nvCxnSpPr>
-          <p:cNvPr id="110" name="Google Shape;110;p18"/>
-          <p:cNvCxnSpPr/>
-          <p:nvPr/>
-        </p:nvCxnSpPr>
-        <p:spPr>
-          <a:xfrm>
-            <a:off x="2852725" y="4349625"/>
-            <a:ext cx="1248300" cy="312000"/>
-          </a:xfrm>
-          <a:prstGeom prst="straightConnector1">
-            <a:avLst/>
-          </a:prstGeom>
-          <a:noFill/>
-          <a:ln cap="flat" cmpd="sng" w="19050">
-            <a:solidFill>
-              <a:schemeClr val="dk2"/>
-            </a:solidFill>
-            <a:prstDash val="solid"/>
-            <a:round/>
-            <a:headEnd len="med" w="med" type="none"/>
-            <a:tailEnd len="med" w="med" type="triangle"/>
-          </a:ln>
-        </p:spPr>
-      </p:cxnSp>
     </p:spTree>
   </p:cSld>
   <p:clrMapOvr>
@@ -10334,7 +10126,7 @@
     </p:bg>
     <p:spTree>
       <p:nvGrpSpPr>
-        <p:cNvPr id="114" name="Shape 114"/>
+        <p:cNvPr id="106" name="Shape 106"/>
         <p:cNvGrpSpPr/>
         <p:nvPr/>
       </p:nvGrpSpPr>
@@ -10348,7 +10140,7 @@
       </p:grpSpPr>
       <p:sp>
         <p:nvSpPr>
-          <p:cNvPr id="115" name="Google Shape;115;p19"/>
+          <p:cNvPr id="107" name="Google Shape;107;p19"/>
           <p:cNvSpPr txBox="1"/>
           <p:nvPr>
             <p:ph idx="1" type="body"/>
@@ -10396,7 +10188,7 @@
       </p:sp>
       <p:pic>
         <p:nvPicPr>
-          <p:cNvPr id="116" name="Google Shape;116;p19"/>
+          <p:cNvPr id="108" name="Google Shape;108;p19"/>
           <p:cNvPicPr preferRelativeResize="0"/>
           <p:nvPr/>
         </p:nvPicPr>
@@ -10442,7 +10234,7 @@
     </p:bg>
     <p:spTree>
       <p:nvGrpSpPr>
-        <p:cNvPr id="120" name="Shape 120"/>
+        <p:cNvPr id="112" name="Shape 112"/>
         <p:cNvGrpSpPr/>
         <p:nvPr/>
       </p:nvGrpSpPr>
@@ -10456,7 +10248,7 @@
       </p:grpSpPr>
       <p:sp>
         <p:nvSpPr>
-          <p:cNvPr id="121" name="Google Shape;121;p20"/>
+          <p:cNvPr id="113" name="Google Shape;113;p20"/>
           <p:cNvSpPr txBox="1"/>
           <p:nvPr>
             <p:ph idx="1" type="body"/>
@@ -10504,7 +10296,7 @@
       </p:sp>
       <p:pic>
         <p:nvPicPr>
-          <p:cNvPr id="122" name="Google Shape;122;p20"/>
+          <p:cNvPr id="114" name="Google Shape;114;p20"/>
           <p:cNvPicPr preferRelativeResize="0"/>
           <p:nvPr/>
         </p:nvPicPr>
@@ -10550,7 +10342,7 @@
     </p:bg>
     <p:spTree>
       <p:nvGrpSpPr>
-        <p:cNvPr id="126" name="Shape 126"/>
+        <p:cNvPr id="118" name="Shape 118"/>
         <p:cNvGrpSpPr/>
         <p:nvPr/>
       </p:nvGrpSpPr>
@@ -10564,7 +10356,7 @@
       </p:grpSpPr>
       <p:sp>
         <p:nvSpPr>
-          <p:cNvPr id="127" name="Google Shape;127;p21"/>
+          <p:cNvPr id="119" name="Google Shape;119;p21"/>
           <p:cNvSpPr txBox="1"/>
           <p:nvPr>
             <p:ph type="title"/>
@@ -10612,7 +10404,7 @@
       </p:sp>
       <p:sp>
         <p:nvSpPr>
-          <p:cNvPr id="128" name="Google Shape;128;p21"/>
+          <p:cNvPr id="120" name="Google Shape;120;p21"/>
           <p:cNvSpPr txBox="1"/>
           <p:nvPr>
             <p:ph idx="1" type="subTitle"/>
@@ -10686,7 +10478,7 @@
       </p:sp>
       <p:sp>
         <p:nvSpPr>
-          <p:cNvPr id="129" name="Google Shape;129;p21"/>
+          <p:cNvPr id="121" name="Google Shape;121;p21"/>
           <p:cNvSpPr txBox="1"/>
           <p:nvPr/>
         </p:nvSpPr>
@@ -10735,7 +10527,7 @@
       </p:sp>
       <p:sp>
         <p:nvSpPr>
-          <p:cNvPr id="130" name="Google Shape;130;p21"/>
+          <p:cNvPr id="122" name="Google Shape;122;p21"/>
           <p:cNvSpPr txBox="1"/>
           <p:nvPr/>
         </p:nvSpPr>
@@ -10784,7 +10576,7 @@
       </p:sp>
       <p:sp>
         <p:nvSpPr>
-          <p:cNvPr id="131" name="Google Shape;131;p21"/>
+          <p:cNvPr id="123" name="Google Shape;123;p21"/>
           <p:cNvSpPr txBox="1"/>
           <p:nvPr>
             <p:ph type="title"/>
@@ -10832,7 +10624,7 @@
       </p:sp>
       <p:sp>
         <p:nvSpPr>
-          <p:cNvPr id="132" name="Google Shape;132;p21"/>
+          <p:cNvPr id="124" name="Google Shape;124;p21"/>
           <p:cNvSpPr txBox="1"/>
           <p:nvPr>
             <p:ph idx="1" type="subTitle"/>
